--- a/python/lecture/Python1.pptx
+++ b/python/lecture/Python1.pptx
@@ -18278,11 +18278,7 @@
             </a:r>
             <a:r>
               <a:rPr lang="zh-CN" altLang="en-US" dirty="0" smtClean="0"/>
-              <a:t>设计</a:t>
-            </a:r>
-            <a:r>
-              <a:rPr lang="zh-CN" altLang="en-US" dirty="0" smtClean="0"/>
-              <a:t>基础</a:t>
+              <a:t>设计基础</a:t>
             </a:r>
             <a:r>
               <a:rPr lang="en-US" altLang="zh-CN" dirty="0" smtClean="0"/>
@@ -18337,11 +18333,7 @@
             <a:pPr algn="r"/>
             <a:r>
               <a:rPr lang="zh-CN" altLang="en-US" dirty="0" smtClean="0"/>
-              <a:t>朱海</a:t>
-            </a:r>
-            <a:r>
-              <a:rPr lang="zh-CN" altLang="en-US" dirty="0" smtClean="0"/>
-              <a:t>东</a:t>
+              <a:t>朱海东</a:t>
             </a:r>
             <a:endParaRPr lang="en-US" altLang="zh-CN" dirty="0" smtClean="0"/>
           </a:p>
@@ -20631,23 +20623,15 @@
           <a:p>
             <a:r>
               <a:rPr lang="zh-CN" altLang="en-US" dirty="0" smtClean="0"/>
-              <a:t>以</a:t>
+              <a:t>以双下划线</a:t>
+            </a:r>
+            <a:r>
+              <a:rPr lang="en-US" altLang="zh-CN" dirty="0" smtClean="0"/>
+              <a:t>( __ )</a:t>
             </a:r>
             <a:r>
               <a:rPr lang="zh-CN" altLang="en-US" dirty="0" smtClean="0"/>
-              <a:t>双下划线</a:t>
-            </a:r>
-            <a:r>
-              <a:rPr lang="en-US" altLang="zh-CN" dirty="0" smtClean="0"/>
-              <a:t>( __ )</a:t>
-            </a:r>
-            <a:r>
-              <a:rPr lang="zh-CN" altLang="en-US" dirty="0" smtClean="0"/>
-              <a:t>开头但是不以双下划线结尾的成员不能够被外部直接访问，同样也不会被子类中的定义直接</a:t>
-            </a:r>
-            <a:r>
-              <a:rPr lang="zh-CN" altLang="en-US" dirty="0" smtClean="0"/>
-              <a:t>覆盖</a:t>
+              <a:t>开头但是不以双下划线结尾的成员不能够被外部直接访问，同样也不会被子类中的定义直接覆盖</a:t>
             </a:r>
             <a:endParaRPr lang="en-US" altLang="zh-CN" dirty="0" smtClean="0"/>
           </a:p>
@@ -20694,11 +20678,7 @@
           <a:p>
             <a:r>
               <a:rPr lang="en-US" altLang="zh-CN" dirty="0" smtClean="0"/>
-              <a:t> </a:t>
-            </a:r>
-            <a:r>
-              <a:rPr lang="en-US" altLang="zh-CN" dirty="0" smtClean="0"/>
-              <a:t>			</a:t>
+              <a:t> 			</a:t>
             </a:r>
             <a:r>
               <a:rPr lang="en-US" altLang="zh-CN" dirty="0" err="1" smtClean="0"/>
@@ -20760,39 +20740,15 @@
             </a:r>
             <a:r>
               <a:rPr lang="en-US" altLang="zh-CN" dirty="0" smtClean="0"/>
-              <a:t> = 3.7	#</a:t>
+              <a:t> = 3.7	</a:t>
+            </a:r>
+            <a:r>
+              <a:rPr lang="en-US" altLang="zh-CN" dirty="0" smtClean="0"/>
+              <a:t>#</a:t>
             </a:r>
             <a:r>
               <a:rPr lang="zh-CN" altLang="en-US" dirty="0" smtClean="0"/>
-              <a:t>在这里两个</a:t>
-            </a:r>
-            <a:r>
-              <a:rPr lang="en-US" altLang="zh-CN" dirty="0" smtClean="0"/>
-              <a:t>score</a:t>
-            </a:r>
-            <a:r>
-              <a:rPr lang="zh-CN" altLang="en-US" dirty="0" smtClean="0"/>
-              <a:t>其实都被保存了。为了避免冲</a:t>
-            </a:r>
-            <a:r>
-              <a:rPr lang="en-US" altLang="zh-CN" dirty="0" smtClean="0"/>
-              <a:t>									#</a:t>
-            </a:r>
-            <a:r>
-              <a:rPr lang="zh-CN" altLang="en-US" dirty="0" smtClean="0"/>
-              <a:t>突，保存的变量名其实是</a:t>
-            </a:r>
-            <a:r>
-              <a:rPr lang="en-US" altLang="zh-CN" dirty="0" smtClean="0"/>
-              <a:t>_</a:t>
-            </a:r>
-            <a:r>
-              <a:rPr lang="en-US" altLang="zh-CN" dirty="0" err="1" smtClean="0"/>
-              <a:t>grade__score</a:t>
-            </a:r>
-            <a:r>
-              <a:rPr lang="zh-CN" altLang="en-US" dirty="0" smtClean="0"/>
-              <a:t>和</a:t>
+              <a:t>在这里其实双下划线可以被访问，变量名为</a:t>
             </a:r>
             <a:r>
               <a:rPr lang="en-US" altLang="zh-CN" dirty="0" smtClean="0"/>
@@ -25512,7 +25468,11 @@
             </a:r>
             <a:r>
               <a:rPr lang="en-US" altLang="zh-CN" dirty="0" smtClean="0"/>
-              <a:t> c=</a:t>
+              <a:t> </a:t>
+            </a:r>
+            <a:r>
+              <a:rPr lang="en-US" altLang="zh-CN" dirty="0" smtClean="0"/>
+              <a:t>c=</a:t>
             </a:r>
             <a:r>
               <a:rPr lang="en-US" altLang="zh-CN" dirty="0" err="1" smtClean="0"/>
@@ -25530,8 +25490,13 @@
             </a:pPr>
             <a:r>
               <a:rPr lang="en-US" altLang="zh-CN" dirty="0" smtClean="0"/>
-              <a:t>		return c;</a:t>
-            </a:r>
+              <a:t>		return </a:t>
+            </a:r>
+            <a:r>
+              <a:rPr lang="en-US" altLang="zh-CN" dirty="0" smtClean="0"/>
+              <a:t>c;</a:t>
+            </a:r>
+            <a:endParaRPr lang="en-US" altLang="zh-CN" dirty="0" smtClean="0"/>
           </a:p>
           <a:p>
             <a:pPr marL="0" indent="0">
@@ -26042,7 +26007,11 @@
             </a:r>
             <a:r>
               <a:rPr lang="en-US" altLang="zh-CN" dirty="0" smtClean="0"/>
-              <a:t>foo(a, *b) </a:t>
+              <a:t>test(a, </a:t>
+            </a:r>
+            <a:r>
+              <a:rPr lang="en-US" altLang="zh-CN" dirty="0" smtClean="0"/>
+              <a:t>*b) </a:t>
             </a:r>
             <a:r>
               <a:rPr lang="en-US" altLang="zh-CN" dirty="0"/>
@@ -26084,7 +26053,11 @@
           <a:p>
             <a:r>
               <a:rPr lang="en-US" altLang="zh-CN" dirty="0" smtClean="0"/>
-              <a:t>foo(1)						#a=1	b=()</a:t>
+              <a:t>test(1</a:t>
+            </a:r>
+            <a:r>
+              <a:rPr lang="en-US" altLang="zh-CN" dirty="0" smtClean="0"/>
+              <a:t>)						#a=1	b=()</a:t>
             </a:r>
           </a:p>
           <a:p>
@@ -26093,7 +26066,11 @@
           <a:p>
             <a:r>
               <a:rPr lang="en-US" altLang="zh-CN" dirty="0" smtClean="0"/>
-              <a:t>foo(1,2)						#a=1	b=(2,)</a:t>
+              <a:t>test(1,2</a:t>
+            </a:r>
+            <a:r>
+              <a:rPr lang="en-US" altLang="zh-CN" dirty="0" smtClean="0"/>
+              <a:t>)						#a=1	b=(2,)</a:t>
             </a:r>
           </a:p>
           <a:p>
@@ -26102,7 +26079,11 @@
           <a:p>
             <a:r>
               <a:rPr lang="en-US" altLang="zh-CN" dirty="0" smtClean="0"/>
-              <a:t>foo(1,2,3)					#a=1	b=(2,3)</a:t>
+              <a:t>test(1,2,3</a:t>
+            </a:r>
+            <a:r>
+              <a:rPr lang="en-US" altLang="zh-CN" dirty="0" smtClean="0"/>
+              <a:t>)					#a=1	b=(2,3)</a:t>
             </a:r>
           </a:p>
         </p:txBody>
@@ -26207,7 +26188,11 @@
             </a:r>
             <a:r>
               <a:rPr lang="en-US" altLang="zh-CN" dirty="0" smtClean="0"/>
-              <a:t>foo(a, *b) </a:t>
+              <a:t>test(a</a:t>
+            </a:r>
+            <a:r>
+              <a:rPr lang="en-US" altLang="zh-CN" dirty="0" smtClean="0"/>
+              <a:t>, *b) </a:t>
             </a:r>
             <a:r>
               <a:rPr lang="en-US" altLang="zh-CN" dirty="0"/>
@@ -26258,15 +26243,27 @@
           <a:p>
             <a:r>
               <a:rPr lang="en-US" altLang="zh-CN" dirty="0" smtClean="0"/>
-              <a:t>foo(*q)				#</a:t>
+              <a:t>test(*</a:t>
+            </a:r>
+            <a:r>
+              <a:rPr lang="en-US" altLang="zh-CN" dirty="0" smtClean="0"/>
+              <a:t>q)				#</a:t>
             </a:r>
             <a:r>
               <a:rPr lang="zh-CN" altLang="en-US" dirty="0" smtClean="0"/>
-              <a:t>等同于</a:t>
-            </a:r>
-            <a:r>
-              <a:rPr lang="en-US" altLang="zh-CN" dirty="0" smtClean="0"/>
-              <a:t>foo(0,1,2)</a:t>
+              <a:t>等同</a:t>
+            </a:r>
+            <a:r>
+              <a:rPr lang="zh-CN" altLang="en-US" dirty="0" smtClean="0"/>
+              <a:t>于</a:t>
+            </a:r>
+            <a:r>
+              <a:rPr lang="en-US" altLang="zh-CN" dirty="0" smtClean="0"/>
+              <a:t>test(0,1,2</a:t>
+            </a:r>
+            <a:r>
+              <a:rPr lang="en-US" altLang="zh-CN" dirty="0" smtClean="0"/>
+              <a:t>)</a:t>
             </a:r>
           </a:p>
           <a:p>
@@ -26275,7 +26272,15 @@
           <a:p>
             <a:r>
               <a:rPr lang="en-US" altLang="zh-CN" dirty="0" smtClean="0"/>
-              <a:t>Q: What is foo(q)</a:t>
+              <a:t>Q: What is </a:t>
+            </a:r>
+            <a:r>
+              <a:rPr lang="en-US" altLang="zh-CN" dirty="0" smtClean="0"/>
+              <a:t>test(q</a:t>
+            </a:r>
+            <a:r>
+              <a:rPr lang="en-US" altLang="zh-CN" dirty="0" smtClean="0"/>
+              <a:t>)</a:t>
             </a:r>
             <a:r>
               <a:rPr lang="zh-CN" altLang="en-US" dirty="0" smtClean="0"/>
@@ -26385,7 +26390,11 @@
             </a:r>
             <a:r>
               <a:rPr lang="en-US" altLang="zh-CN" dirty="0" smtClean="0"/>
-              <a:t>foo(a, **b) </a:t>
+              <a:t>test(a</a:t>
+            </a:r>
+            <a:r>
+              <a:rPr lang="en-US" altLang="zh-CN" dirty="0" smtClean="0"/>
+              <a:t>, **b) </a:t>
             </a:r>
             <a:r>
               <a:rPr lang="en-US" altLang="zh-CN" dirty="0"/>
@@ -26427,7 +26436,11 @@
           <a:p>
             <a:r>
               <a:rPr lang="en-US" altLang="zh-CN" dirty="0" smtClean="0"/>
-              <a:t>foo(a=1)						#a=1	b={}</a:t>
+              <a:t>test(a=1</a:t>
+            </a:r>
+            <a:r>
+              <a:rPr lang="en-US" altLang="zh-CN" dirty="0" smtClean="0"/>
+              <a:t>)						#a=1	b={}</a:t>
             </a:r>
           </a:p>
           <a:p>
@@ -26436,7 +26449,11 @@
           <a:p>
             <a:r>
               <a:rPr lang="en-US" altLang="zh-CN" dirty="0" smtClean="0"/>
-              <a:t>foo(a=1, b=1)				#a=1	b={‘b’:1}</a:t>
+              <a:t>test(a=1</a:t>
+            </a:r>
+            <a:r>
+              <a:rPr lang="en-US" altLang="zh-CN" dirty="0" smtClean="0"/>
+              <a:t>, b=1)				#a=1	b={‘b’:1}</a:t>
             </a:r>
           </a:p>
           <a:p>
@@ -26445,7 +26462,11 @@
           <a:p>
             <a:r>
               <a:rPr lang="en-US" altLang="zh-CN" dirty="0" smtClean="0"/>
-              <a:t>foo(a=1,b=2,c=3)				#a=1	b={‘b’:2,’c’:3}</a:t>
+              <a:t>test(a=1,b=2,c=3</a:t>
+            </a:r>
+            <a:r>
+              <a:rPr lang="en-US" altLang="zh-CN" dirty="0" smtClean="0"/>
+              <a:t>)				#a=1	b={‘b’:2,’c’:3}</a:t>
             </a:r>
           </a:p>
           <a:p>
@@ -26454,15 +26475,35 @@
           <a:p>
             <a:r>
               <a:rPr lang="en-US" altLang="zh-CN" dirty="0" smtClean="0"/>
-              <a:t>Q: foo(1,a=2)</a:t>
+              <a:t>Q: </a:t>
+            </a:r>
+            <a:r>
+              <a:rPr lang="en-US" altLang="zh-CN" dirty="0" smtClean="0"/>
+              <a:t>test(1,a=2</a:t>
+            </a:r>
+            <a:r>
+              <a:rPr lang="en-US" altLang="zh-CN" dirty="0" smtClean="0"/>
+              <a:t>)</a:t>
             </a:r>
             <a:r>
               <a:rPr lang="zh-CN" altLang="en-US" dirty="0" smtClean="0"/>
-              <a:t>可以运行吗？</a:t>
-            </a:r>
-            <a:r>
-              <a:rPr lang="en-US" altLang="zh-CN" dirty="0" smtClean="0"/>
-              <a:t>foo(1,2)</a:t>
+              <a:t>可以运行吗</a:t>
+            </a:r>
+            <a:r>
+              <a:rPr lang="zh-CN" altLang="en-US" dirty="0" smtClean="0"/>
+              <a:t>？</a:t>
+            </a:r>
+            <a:r>
+              <a:rPr lang="en-US" altLang="zh-CN" dirty="0" smtClean="0"/>
+              <a:t>test</a:t>
+            </a:r>
+            <a:r>
+              <a:rPr lang="en-US" altLang="zh-CN" dirty="0" smtClean="0"/>
+              <a:t>(1,2</a:t>
+            </a:r>
+            <a:r>
+              <a:rPr lang="en-US" altLang="zh-CN" dirty="0" smtClean="0"/>
+              <a:t>)</a:t>
             </a:r>
             <a:r>
               <a:rPr lang="zh-CN" altLang="en-US" dirty="0" smtClean="0"/>
@@ -26572,7 +26613,11 @@
             </a:r>
             <a:r>
               <a:rPr lang="en-US" altLang="zh-CN" dirty="0" smtClean="0"/>
-              <a:t>foo(a, **b) </a:t>
+              <a:t>test(a</a:t>
+            </a:r>
+            <a:r>
+              <a:rPr lang="en-US" altLang="zh-CN" dirty="0" smtClean="0"/>
+              <a:t>, **b) </a:t>
             </a:r>
             <a:r>
               <a:rPr lang="en-US" altLang="zh-CN" dirty="0"/>
@@ -26623,7 +26668,11 @@
           <a:p>
             <a:r>
               <a:rPr lang="en-US" altLang="zh-CN" dirty="0" smtClean="0"/>
-              <a:t>foo(**q)						#a=1 b={‘b’=2, ’c’=3}</a:t>
+              <a:t>test(**</a:t>
+            </a:r>
+            <a:r>
+              <a:rPr lang="en-US" altLang="zh-CN" dirty="0" smtClean="0"/>
+              <a:t>q)						#a=1 b={‘b’=2, ’c’=3}</a:t>
             </a:r>
           </a:p>
           <a:p>
@@ -26636,11 +26685,19 @@
             </a:r>
             <a:r>
               <a:rPr lang="zh-CN" altLang="en-US" dirty="0" smtClean="0"/>
-              <a:t>等效于</a:t>
-            </a:r>
-            <a:r>
-              <a:rPr lang="en-US" altLang="zh-CN" dirty="0" smtClean="0"/>
-              <a:t>foo(a=1, b=2, c=3)</a:t>
+              <a:t>等效</a:t>
+            </a:r>
+            <a:r>
+              <a:rPr lang="zh-CN" altLang="en-US" dirty="0" smtClean="0"/>
+              <a:t>于</a:t>
+            </a:r>
+            <a:r>
+              <a:rPr lang="en-US" altLang="zh-CN" dirty="0" smtClean="0"/>
+              <a:t>test(a=1</a:t>
+            </a:r>
+            <a:r>
+              <a:rPr lang="en-US" altLang="zh-CN" dirty="0" smtClean="0"/>
+              <a:t>, b=2, c=3)</a:t>
             </a:r>
           </a:p>
           <a:p>
@@ -26649,7 +26706,11 @@
           <a:p>
             <a:r>
               <a:rPr lang="en-US" altLang="zh-CN" dirty="0" smtClean="0"/>
-              <a:t>foo(q)						#</a:t>
+              <a:t>test(q</a:t>
+            </a:r>
+            <a:r>
+              <a:rPr lang="en-US" altLang="zh-CN" dirty="0" smtClean="0"/>
+              <a:t>)						#</a:t>
             </a:r>
             <a:r>
               <a:rPr lang="zh-CN" altLang="en-US" dirty="0" smtClean="0"/>
@@ -26663,7 +26724,11 @@
           <a:p>
             <a:r>
               <a:rPr lang="en-US" altLang="zh-CN" dirty="0" smtClean="0"/>
-              <a:t>foo(*q)						#</a:t>
+              <a:t>test(*</a:t>
+            </a:r>
+            <a:r>
+              <a:rPr lang="en-US" altLang="zh-CN" dirty="0" smtClean="0"/>
+              <a:t>q)						#</a:t>
             </a:r>
             <a:r>
               <a:rPr lang="zh-CN" altLang="en-US" dirty="0" smtClean="0"/>
